--- a/Prezentare-Safey.pptx
+++ b/Prezentare-Safey.pptx
@@ -300,7 +300,6 @@
           <cx:pt idx="0">2026</cx:pt>
           <cx:pt idx="1">2027</cx:pt>
           <cx:pt idx="2">2028</cx:pt>
-          <cx:pt idx="3"/>
         </cx:lvl>
       </cx:strDim>
       <cx:numDim type="val">
@@ -319,7 +318,6 @@
           <cx:pt idx="0">2026</cx:pt>
           <cx:pt idx="1">2027</cx:pt>
           <cx:pt idx="2">2028</cx:pt>
-          <cx:pt idx="3"/>
         </cx:lvl>
       </cx:strDim>
       <cx:numDim type="val">
@@ -338,7 +336,6 @@
           <cx:pt idx="0">2026</cx:pt>
           <cx:pt idx="1">2027</cx:pt>
           <cx:pt idx="2">2028</cx:pt>
-          <cx:pt idx="3"/>
         </cx:lvl>
       </cx:strDim>
       <cx:numDim type="val">
@@ -44995,8 +44992,8 @@
           </a:p>
         </p:txBody>
       </p:sp>
-      <mc:AlternateContent xmlns:mc="http://schemas.openxmlformats.org/markup-compatibility/2006">
-        <mc:Choice xmlns:cx1="http://schemas.microsoft.com/office/drawing/2015/9/8/chartex" Requires="cx1">
+      <mc:AlternateContent xmlns:mc="http://schemas.openxmlformats.org/markup-compatibility/2006" xmlns:cx1="http://schemas.microsoft.com/office/drawing/2015/9/8/chartex">
+        <mc:Choice Requires="cx1">
           <p:graphicFrame>
             <p:nvGraphicFramePr>
               <p:cNvPr id="4" name="Diagramă 3">
@@ -45026,7 +45023,7 @@
             </a:graphic>
           </p:graphicFrame>
         </mc:Choice>
-        <mc:Fallback>
+        <mc:Fallback xmlns="">
           <p:pic>
             <p:nvPicPr>
               <p:cNvPr id="4" name="Diagramă 3">
@@ -45658,7 +45655,7 @@
       </p:cxnSp>
       <p:cxnSp>
         <p:nvCxnSpPr>
-          <p:cNvPr id="19" name="Conector drept 18">
+          <p:cNvPr id="2" name="Conector drept 1">
             <a:extLst>
               <a:ext uri="{FF2B5EF4-FFF2-40B4-BE49-F238E27FC236}">
                 <a16:creationId xmlns:a16="http://schemas.microsoft.com/office/drawing/2014/main" id="{F9665545-59EC-B33F-3C30-AB7951B16104}"/>
@@ -45701,7 +45698,7 @@
       </p:cxnSp>
       <p:cxnSp>
         <p:nvCxnSpPr>
-          <p:cNvPr id="22" name="Conector drept 21">
+          <p:cNvPr id="3" name="Conector drept 2">
             <a:extLst>
               <a:ext uri="{FF2B5EF4-FFF2-40B4-BE49-F238E27FC236}">
                 <a16:creationId xmlns:a16="http://schemas.microsoft.com/office/drawing/2014/main" id="{7AD0A085-68CC-73FB-0477-DA256D52E20B}"/>
@@ -45742,6 +45739,143 @@
           </a:fontRef>
         </p:style>
       </p:cxnSp>
+      <p:cxnSp>
+        <p:nvCxnSpPr>
+          <p:cNvPr id="8" name="Conector drept 7">
+            <a:extLst>
+              <a:ext uri="{FF2B5EF4-FFF2-40B4-BE49-F238E27FC236}">
+                <a16:creationId xmlns:a16="http://schemas.microsoft.com/office/drawing/2014/main" id="{1217EDDD-E780-958E-E84C-D690AAF880BF}"/>
+              </a:ext>
+            </a:extLst>
+          </p:cNvPr>
+          <p:cNvCxnSpPr>
+            <a:cxnSpLocks/>
+          </p:cNvCxnSpPr>
+          <p:nvPr/>
+        </p:nvCxnSpPr>
+        <p:spPr>
+          <a:xfrm>
+            <a:off x="3201212" y="1698950"/>
+            <a:ext cx="268069" cy="0"/>
+          </a:xfrm>
+          <a:prstGeom prst="line">
+            <a:avLst/>
+          </a:prstGeom>
+          <a:ln w="31750">
+            <a:solidFill>
+              <a:schemeClr val="tx1"/>
+            </a:solidFill>
+          </a:ln>
+        </p:spPr>
+        <p:style>
+          <a:lnRef idx="1">
+            <a:schemeClr val="accent1"/>
+          </a:lnRef>
+          <a:fillRef idx="0">
+            <a:schemeClr val="accent1"/>
+          </a:fillRef>
+          <a:effectRef idx="0">
+            <a:schemeClr val="accent1"/>
+          </a:effectRef>
+          <a:fontRef idx="minor">
+            <a:schemeClr val="tx1"/>
+          </a:fontRef>
+        </p:style>
+      </p:cxnSp>
+      <p:cxnSp>
+        <p:nvCxnSpPr>
+          <p:cNvPr id="9" name="Conector drept 8">
+            <a:extLst>
+              <a:ext uri="{FF2B5EF4-FFF2-40B4-BE49-F238E27FC236}">
+                <a16:creationId xmlns:a16="http://schemas.microsoft.com/office/drawing/2014/main" id="{02EC9661-B7EC-1694-8841-62CCB73BEC2B}"/>
+              </a:ext>
+            </a:extLst>
+          </p:cNvPr>
+          <p:cNvCxnSpPr>
+            <a:cxnSpLocks/>
+          </p:cNvCxnSpPr>
+          <p:nvPr/>
+        </p:nvCxnSpPr>
+        <p:spPr>
+          <a:xfrm>
+            <a:off x="3209163" y="1799634"/>
+            <a:ext cx="262140" cy="0"/>
+          </a:xfrm>
+          <a:prstGeom prst="line">
+            <a:avLst/>
+          </a:prstGeom>
+          <a:ln w="31750">
+            <a:solidFill>
+              <a:schemeClr val="tx1"/>
+            </a:solidFill>
+          </a:ln>
+        </p:spPr>
+        <p:style>
+          <a:lnRef idx="1">
+            <a:schemeClr val="accent1"/>
+          </a:lnRef>
+          <a:fillRef idx="0">
+            <a:schemeClr val="accent1"/>
+          </a:fillRef>
+          <a:effectRef idx="0">
+            <a:schemeClr val="accent1"/>
+          </a:effectRef>
+          <a:fontRef idx="minor">
+            <a:schemeClr val="tx1"/>
+          </a:fontRef>
+        </p:style>
+      </p:cxnSp>
+      <p:sp>
+        <p:nvSpPr>
+          <p:cNvPr id="14" name="Google Shape;991;p32">
+            <a:extLst>
+              <a:ext uri="{FF2B5EF4-FFF2-40B4-BE49-F238E27FC236}">
+                <a16:creationId xmlns:a16="http://schemas.microsoft.com/office/drawing/2014/main" id="{D818B1CB-F016-6B29-1E4A-41C660531057}"/>
+              </a:ext>
+            </a:extLst>
+          </p:cNvPr>
+          <p:cNvSpPr txBox="1"/>
+          <p:nvPr/>
+        </p:nvSpPr>
+        <p:spPr>
+          <a:xfrm>
+            <a:off x="3462506" y="1603345"/>
+            <a:ext cx="3380336" cy="576000"/>
+          </a:xfrm>
+          <a:prstGeom prst="rect">
+            <a:avLst/>
+          </a:prstGeom>
+          <a:noFill/>
+          <a:ln>
+            <a:noFill/>
+          </a:ln>
+        </p:spPr>
+        <p:txBody>
+          <a:bodyPr spcFirstLastPara="1" wrap="square" lIns="91425" tIns="91425" rIns="91425" bIns="91425" anchor="t" anchorCtr="0">
+            <a:noAutofit/>
+          </a:bodyPr>
+          <a:lstStyle/>
+          <a:p>
+            <a:pPr lvl="0">
+              <a:lnSpc>
+                <a:spcPts val="1000"/>
+              </a:lnSpc>
+            </a:pPr>
+            <a:r>
+              <a:rPr lang="en-US" b="1" dirty="0">
+                <a:solidFill>
+                  <a:schemeClr val="dk1"/>
+                </a:solidFill>
+                <a:latin typeface="Montserrat"/>
+                <a:ea typeface="Montserrat"/>
+                <a:cs typeface="Montserrat"/>
+                <a:sym typeface="Montserrat"/>
+              </a:rPr>
+              <a:t>1.200 €</a:t>
+            </a:r>
+          </a:p>
+        </p:txBody>
+      </p:sp>
     </p:spTree>
   </p:cSld>
   <p:clrMapOvr>

--- a/Prezentare-Safey.pptx
+++ b/Prezentare-Safey.pptx
@@ -47832,7 +47832,31 @@
                 <a:cs typeface="Montserrat"/>
                 <a:sym typeface="Montserrat"/>
               </a:rPr>
-              <a:t> celorlalte firme +</a:t>
+              <a:t> celorlalte </a:t>
+            </a:r>
+            <a:r>
+              <a:rPr lang="en-US" sz="1600" b="1" dirty="0" err="1">
+                <a:solidFill>
+                  <a:schemeClr val="tx1"/>
+                </a:solidFill>
+                <a:latin typeface="Montserrat"/>
+                <a:ea typeface="Montserrat"/>
+                <a:cs typeface="Montserrat"/>
+                <a:sym typeface="Montserrat"/>
+              </a:rPr>
+              <a:t>produse</a:t>
+            </a:r>
+            <a:r>
+              <a:rPr lang="ro-RO" sz="1600" b="1" dirty="0">
+                <a:solidFill>
+                  <a:schemeClr val="tx1"/>
+                </a:solidFill>
+                <a:latin typeface="Montserrat"/>
+                <a:ea typeface="Montserrat"/>
+                <a:cs typeface="Montserrat"/>
+                <a:sym typeface="Montserrat"/>
+              </a:rPr>
+              <a:t> +</a:t>
             </a:r>
             <a:r>
               <a:rPr lang="ro-RO" sz="1600" b="1" dirty="0" err="1">
